--- a/docs/ppt/GameForum.pptx
+++ b/docs/ppt/GameForum.pptx
@@ -1877,7 +1877,7 @@
             <a:fld id="{05BF5AB9-3463-4E65-AFD3-5431B79ADFDC}" type="datetimeFigureOut">
               <a:rPr lang="zh-TW" altLang="en-US" smtClean="0"/>
               <a:pPr/>
-              <a:t>2025/3/18</a:t>
+              <a:t>2025/3/19</a:t>
             </a:fld>
             <a:endParaRPr lang="zh-TW" altLang="en-US"/>
           </a:p>
@@ -2044,7 +2044,7 @@
             <a:fld id="{838FF680-7B6B-4655-B6A1-33A8AD0AE8B4}" type="datetimeFigureOut">
               <a:rPr lang="zh-TW" altLang="en-US" smtClean="0"/>
               <a:pPr/>
-              <a:t>2025/3/18</a:t>
+              <a:t>2025/3/19</a:t>
             </a:fld>
             <a:endParaRPr lang="zh-TW" altLang="en-US"/>
           </a:p>
@@ -5469,87 +5469,43 @@
               <a:buChar char="l"/>
             </a:pPr>
             <a:r>
-              <a:rPr kumimoji="0" lang="zh-TW" altLang="en-US" sz="2800" b="1" i="0" u="none" strike="noStrike" kern="1200" cap="none" spc="0" normalizeH="0" baseline="0" noProof="0" dirty="0">
-                <a:ln>
-                  <a:noFill/>
-                </a:ln>
+              <a:rPr lang="zh-TW" altLang="en-US" dirty="0">
                 <a:solidFill>
                   <a:schemeClr val="bg1"/>
                 </a:solidFill>
-                <a:effectLst/>
-                <a:uLnTx/>
-                <a:uFillTx/>
-                <a:latin typeface="微軟正黑體" pitchFamily="34" charset="-120"/>
-                <a:ea typeface="微軟正黑體" pitchFamily="34" charset="-120"/>
-                <a:cs typeface="+mn-cs"/>
               </a:rPr>
               <a:t>標題標題標題標題標題標題標題</a:t>
             </a:r>
-            <a:endParaRPr kumimoji="0" lang="en-US" altLang="zh-TW" sz="2800" b="1" i="0" u="none" strike="noStrike" kern="1200" cap="none" spc="0" normalizeH="0" baseline="0" noProof="0" dirty="0">
-              <a:ln>
-                <a:noFill/>
-              </a:ln>
+            <a:endParaRPr lang="en-US" altLang="zh-TW" dirty="0">
               <a:solidFill>
                 <a:schemeClr val="bg1"/>
               </a:solidFill>
-              <a:effectLst/>
-              <a:uLnTx/>
-              <a:uFillTx/>
-              <a:latin typeface="微軟正黑體" pitchFamily="34" charset="-120"/>
-              <a:ea typeface="微軟正黑體" pitchFamily="34" charset="-120"/>
-              <a:cs typeface="+mn-cs"/>
             </a:endParaRPr>
           </a:p>
           <a:p>
-            <a:pPr marR="0" lvl="1" algn="l" defTabSz="914400" rtl="0" eaLnBrk="1" fontAlgn="auto" latinLnBrk="0" hangingPunct="1">
+            <a:pPr lvl="1">
               <a:lnSpc>
                 <a:spcPts val="3600"/>
               </a:lnSpc>
-              <a:spcBef>
-                <a:spcPts val="600"/>
-              </a:spcBef>
-              <a:spcAft>
-                <a:spcPts val="600"/>
-              </a:spcAft>
               <a:buClr>
                 <a:srgbClr val="42BBC6"/>
               </a:buClr>
-              <a:buSzTx/>
               <a:buFont typeface="Wingdings" panose="05000000000000000000" pitchFamily="2" charset="2"/>
               <a:buChar char="u"/>
-              <a:tabLst/>
               <a:defRPr/>
             </a:pPr>
             <a:r>
-              <a:rPr kumimoji="0" lang="zh-TW" altLang="en-US" sz="2400" b="1" i="0" u="none" strike="noStrike" kern="1200" cap="none" spc="0" normalizeH="0" baseline="0" noProof="0" dirty="0">
-                <a:ln>
-                  <a:noFill/>
-                </a:ln>
+              <a:rPr lang="zh-TW" altLang="en-US" dirty="0">
                 <a:solidFill>
                   <a:schemeClr val="bg1"/>
                 </a:solidFill>
-                <a:effectLst/>
-                <a:uLnTx/>
-                <a:uFillTx/>
-                <a:latin typeface="微軟正黑體" pitchFamily="34" charset="-120"/>
-                <a:ea typeface="微軟正黑體" pitchFamily="34" charset="-120"/>
-                <a:cs typeface="+mn-cs"/>
               </a:rPr>
               <a:t>細項內容內容內容</a:t>
             </a:r>
-            <a:endParaRPr kumimoji="0" lang="en-US" altLang="zh-TW" sz="2400" b="1" i="0" u="none" strike="noStrike" kern="1200" cap="none" spc="0" normalizeH="0" baseline="0" noProof="0" dirty="0">
-              <a:ln>
-                <a:noFill/>
-              </a:ln>
+            <a:endParaRPr lang="en-US" altLang="zh-TW" dirty="0">
               <a:solidFill>
                 <a:schemeClr val="bg1"/>
               </a:solidFill>
-              <a:effectLst/>
-              <a:uLnTx/>
-              <a:uFillTx/>
-              <a:latin typeface="微軟正黑體" pitchFamily="34" charset="-120"/>
-              <a:ea typeface="微軟正黑體" pitchFamily="34" charset="-120"/>
-              <a:cs typeface="+mn-cs"/>
             </a:endParaRPr>
           </a:p>
           <a:p>
